--- a/渲染器.pptx
+++ b/渲染器.pptx
@@ -5,7 +5,7 @@
     <p:sldMasterId id="2147483648" r:id="rId1"/>
   </p:sldMasterIdLst>
   <p:notesMasterIdLst>
-    <p:notesMasterId r:id="rId17"/>
+    <p:notesMasterId r:id="rId18"/>
   </p:notesMasterIdLst>
   <p:sldIdLst>
     <p:sldId id="256" r:id="rId3"/>
@@ -19,9 +19,10 @@
     <p:sldId id="259" r:id="rId11"/>
     <p:sldId id="331" r:id="rId12"/>
     <p:sldId id="332" r:id="rId13"/>
-    <p:sldId id="324" r:id="rId14"/>
-    <p:sldId id="260" r:id="rId15"/>
-    <p:sldId id="285" r:id="rId16"/>
+    <p:sldId id="336" r:id="rId14"/>
+    <p:sldId id="324" r:id="rId15"/>
+    <p:sldId id="260" r:id="rId16"/>
+    <p:sldId id="285" r:id="rId17"/>
   </p:sldIdLst>
   <p:sldSz cx="12192000" cy="6858000"/>
   <p:notesSz cx="6858000" cy="9144000"/>
@@ -3668,7 +3669,7 @@
         <p:spPr>
           <a:xfrm>
             <a:off x="7745730" y="1170305"/>
-            <a:ext cx="3765550" cy="3538220"/>
+            <a:ext cx="3765550" cy="4030980"/>
           </a:xfrm>
           <a:prstGeom prst="rect">
             <a:avLst/>
@@ -3692,7 +3693,37 @@
                 <a:cs typeface="+mn-ea"/>
                 <a:sym typeface="+mn-lt"/>
               </a:rPr>
-              <a:t>阶段一是生成 Fiber 树的渐进阶段，可以被打断。</a:t>
+              <a:t>阶段一是生成 Fiber 树的渐进阶段，可以被打断</a:t>
+            </a:r>
+            <a:r>
+              <a:rPr lang="zh-CN" altLang="en-US" sz="3200" dirty="0">
+                <a:solidFill>
+                  <a:srgbClr val="EF5350"/>
+                </a:solidFill>
+                <a:cs typeface="+mn-ea"/>
+                <a:sym typeface="+mn-lt"/>
+              </a:rPr>
+              <a:t>，</a:t>
+            </a:r>
+            <a:r>
+              <a:rPr lang="zh-CN" altLang="en-US" sz="3200" dirty="0">
+                <a:solidFill>
+                  <a:srgbClr val="EF5350"/>
+                </a:solidFill>
+                <a:cs typeface="+mn-ea"/>
+                <a:sym typeface="+mn-lt"/>
+              </a:rPr>
+              <a:t>保存</a:t>
+            </a:r>
+            <a:r>
+              <a:rPr lang="zh-CN" altLang="en-US" sz="3200" dirty="0">
+                <a:solidFill>
+                  <a:srgbClr val="EF5350"/>
+                </a:solidFill>
+                <a:cs typeface="+mn-ea"/>
+                <a:sym typeface="+mn-lt"/>
+              </a:rPr>
+              <a:t>上下文状态。</a:t>
             </a:r>
             <a:endParaRPr lang="en-US" altLang="zh-CN" sz="3200" dirty="0">
               <a:solidFill>
@@ -3885,7 +3916,7 @@
         <p:spPr>
           <a:xfrm>
             <a:off x="307975" y="884555"/>
-            <a:ext cx="11262995" cy="4523105"/>
+            <a:ext cx="11262995" cy="3634740"/>
           </a:xfrm>
           <a:prstGeom prst="rect">
             <a:avLst/>
@@ -3900,7 +3931,11 @@
             <a:spAutoFit/>
           </a:bodyPr>
           <a:p>
-            <a:pPr algn="l"/>
+            <a:pPr algn="l">
+              <a:lnSpc>
+                <a:spcPct val="120000"/>
+              </a:lnSpc>
+            </a:pPr>
             <a:endParaRPr lang="en-US" altLang="zh-CN" sz="3200" dirty="0">
               <a:solidFill>
                 <a:srgbClr val="EF5350"/>
@@ -3910,7 +3945,11 @@
             </a:endParaRPr>
           </a:p>
           <a:p>
-            <a:pPr algn="l"/>
+            <a:pPr algn="l">
+              <a:lnSpc>
+                <a:spcPct val="120000"/>
+              </a:lnSpc>
+            </a:pPr>
             <a:r>
               <a:rPr lang="en-US" altLang="zh-CN" sz="3200" dirty="0">
                 <a:solidFill>
@@ -3919,7 +3958,47 @@
                 <a:cs typeface="+mn-ea"/>
                 <a:sym typeface="+mn-lt"/>
               </a:rPr>
-              <a:t>阶段一有两颗树，Virtual DOM 树和 Fiber 树，Fiber 树是在 Virtual DOM 树的基础上通过额外信息生成的。</a:t>
+              <a:t>阶段一</a:t>
+            </a:r>
+            <a:r>
+              <a:rPr lang="zh-CN" altLang="en-US" sz="3200" dirty="0">
+                <a:solidFill>
+                  <a:srgbClr val="EF5350"/>
+                </a:solidFill>
+                <a:cs typeface="+mn-ea"/>
+                <a:sym typeface="+mn-lt"/>
+              </a:rPr>
+              <a:t>会将</a:t>
+            </a:r>
+            <a:r>
+              <a:rPr lang="en-US" altLang="zh-CN" sz="3200" dirty="0">
+                <a:solidFill>
+                  <a:srgbClr val="EF5350"/>
+                </a:solidFill>
+                <a:cs typeface="+mn-ea"/>
+                <a:sym typeface="+mn-lt"/>
+              </a:rPr>
+              <a:t>Virtual DOM 树</a:t>
+            </a:r>
+            <a:r>
+              <a:rPr lang="zh-CN" altLang="en-US" sz="3200" dirty="0">
+                <a:solidFill>
+                  <a:srgbClr val="EF5350"/>
+                </a:solidFill>
+                <a:cs typeface="+mn-ea"/>
+                <a:sym typeface="+mn-lt"/>
+              </a:rPr>
+              <a:t>生成</a:t>
+            </a:r>
+            <a:r>
+              <a:rPr lang="en-US" altLang="zh-CN" sz="3200" dirty="0">
+                <a:solidFill>
+                  <a:srgbClr val="EF5350"/>
+                </a:solidFill>
+                <a:cs typeface="+mn-ea"/>
+                <a:sym typeface="+mn-lt"/>
+              </a:rPr>
+              <a:t>Fiber 树，Fiber 树是在 Virtual DOM 树的基础上通过额外信息生成的。</a:t>
             </a:r>
             <a:endParaRPr lang="en-US" altLang="zh-CN" sz="3200" dirty="0">
               <a:solidFill>
@@ -3930,7 +4009,11 @@
             </a:endParaRPr>
           </a:p>
           <a:p>
-            <a:pPr algn="l"/>
+            <a:pPr algn="l">
+              <a:lnSpc>
+                <a:spcPct val="120000"/>
+              </a:lnSpc>
+            </a:pPr>
             <a:r>
               <a:rPr lang="en-US" altLang="zh-CN" sz="3200" dirty="0">
                 <a:solidFill>
@@ -3941,56 +4024,6 @@
               </a:rPr>
               <a:t>它每生成一个新节点，就会将控制权还给浏览器，如果浏览器没有更高级别的任务要执行，则继续构建；反之则会丢弃 正在生成的 Fiber 树，等空闲的时候再重新执行一遍。</a:t>
             </a:r>
-            <a:endParaRPr lang="en-US" altLang="zh-CN" sz="3200" dirty="0">
-              <a:solidFill>
-                <a:srgbClr val="EF5350"/>
-              </a:solidFill>
-              <a:cs typeface="+mn-ea"/>
-              <a:sym typeface="+mn-lt"/>
-            </a:endParaRPr>
-          </a:p>
-          <a:p>
-            <a:pPr algn="l"/>
-            <a:r>
-              <a:rPr lang="en-US" altLang="zh-CN" sz="3200" dirty="0">
-                <a:solidFill>
-                  <a:srgbClr val="EF5350"/>
-                </a:solidFill>
-                <a:cs typeface="+mn-ea"/>
-                <a:sym typeface="+mn-lt"/>
-              </a:rPr>
-              <a:t>render</a:t>
-            </a:r>
-            <a:endParaRPr lang="en-US" altLang="zh-CN" sz="3200" dirty="0">
-              <a:solidFill>
-                <a:srgbClr val="EF5350"/>
-              </a:solidFill>
-              <a:cs typeface="+mn-ea"/>
-              <a:sym typeface="+mn-lt"/>
-            </a:endParaRPr>
-          </a:p>
-          <a:p>
-            <a:pPr algn="l"/>
-            <a:r>
-              <a:rPr lang="en-US" altLang="zh-CN" sz="3200" dirty="0">
-                <a:solidFill>
-                  <a:srgbClr val="EF5350"/>
-                </a:solidFill>
-                <a:cs typeface="+mn-ea"/>
-                <a:sym typeface="+mn-lt"/>
-              </a:rPr>
-              <a:t>components</a:t>
-            </a:r>
-            <a:endParaRPr lang="en-US" altLang="zh-CN" sz="3200" dirty="0">
-              <a:solidFill>
-                <a:srgbClr val="EF5350"/>
-              </a:solidFill>
-              <a:cs typeface="+mn-ea"/>
-              <a:sym typeface="+mn-lt"/>
-            </a:endParaRPr>
-          </a:p>
-          <a:p>
-            <a:pPr algn="l"/>
             <a:endParaRPr lang="en-US" altLang="zh-CN" sz="3200" dirty="0">
               <a:solidFill>
                 <a:srgbClr val="EF5350"/>
@@ -4017,201 +4050,6 @@
 </file>
 
 <file path=ppt/slides/slide12.xml><?xml version="1.0" encoding="utf-8"?>
-<p:sld xmlns:a="http://schemas.openxmlformats.org/drawingml/2006/main" xmlns:r="http://schemas.openxmlformats.org/officeDocument/2006/relationships" xmlns:p="http://schemas.openxmlformats.org/presentationml/2006/main">
-  <p:cSld>
-    <p:bg>
-      <p:bgPr>
-        <a:solidFill>
-          <a:srgbClr val="323C50"/>
-        </a:solidFill>
-        <a:effectLst/>
-      </p:bgPr>
-    </p:bg>
-    <p:spTree>
-      <p:nvGrpSpPr>
-        <p:cNvPr id="1" name=""/>
-        <p:cNvGrpSpPr/>
-        <p:nvPr/>
-      </p:nvGrpSpPr>
-      <p:grpSpPr>
-        <a:xfrm>
-          <a:off x="0" y="0"/>
-          <a:ext cx="0" cy="0"/>
-          <a:chOff x="0" y="0"/>
-          <a:chExt cx="0" cy="0"/>
-        </a:xfrm>
-      </p:grpSpPr>
-      <p:sp>
-        <p:nvSpPr>
-          <p:cNvPr id="16" name="TextBox 76"/>
-          <p:cNvSpPr txBox="1"/>
-          <p:nvPr/>
-        </p:nvSpPr>
-        <p:spPr>
-          <a:xfrm>
-            <a:off x="3439160" y="3134995"/>
-            <a:ext cx="5313045" cy="922020"/>
-          </a:xfrm>
-          <a:prstGeom prst="rect">
-            <a:avLst/>
-          </a:prstGeom>
-          <a:noFill/>
-        </p:spPr>
-        <p:txBody>
-          <a:bodyPr wrap="square" rtlCol="0">
-            <a:spAutoFit/>
-          </a:bodyPr>
-          <a:lstStyle/>
-          <a:p>
-            <a:pPr algn="ctr"/>
-            <a:r>
-              <a:rPr lang="en-US" altLang="zh-CN" sz="5400" dirty="0">
-                <a:solidFill>
-                  <a:srgbClr val="EF5350"/>
-                </a:solidFill>
-                <a:cs typeface="+mn-ea"/>
-                <a:sym typeface="+mn-lt"/>
-              </a:rPr>
-              <a:t>自定义渲染器</a:t>
-            </a:r>
-            <a:endParaRPr lang="en-US" altLang="zh-CN" sz="5400" dirty="0">
-              <a:solidFill>
-                <a:srgbClr val="EF5350"/>
-              </a:solidFill>
-              <a:cs typeface="+mn-ea"/>
-              <a:sym typeface="+mn-lt"/>
-            </a:endParaRPr>
-          </a:p>
-        </p:txBody>
-      </p:sp>
-      <p:sp>
-        <p:nvSpPr>
-          <p:cNvPr id="10" name="直角三角形 9"/>
-          <p:cNvSpPr/>
-          <p:nvPr/>
-        </p:nvSpPr>
-        <p:spPr>
-          <a:xfrm flipV="1">
-            <a:off x="2914536" y="1467323"/>
-            <a:ext cx="1276591" cy="1276591"/>
-          </a:xfrm>
-          <a:prstGeom prst="rtTriangle">
-            <a:avLst/>
-          </a:prstGeom>
-          <a:solidFill>
-            <a:srgbClr val="EF5350"/>
-          </a:solidFill>
-          <a:ln>
-            <a:noFill/>
-          </a:ln>
-          <a:effectLst>
-            <a:outerShdw blurRad="190500" dist="127000" dir="2700000" algn="tl" rotWithShape="0">
-              <a:prstClr val="black">
-                <a:alpha val="40000"/>
-              </a:prstClr>
-            </a:outerShdw>
-          </a:effectLst>
-        </p:spPr>
-        <p:style>
-          <a:lnRef idx="2">
-            <a:schemeClr val="accent1">
-              <a:shade val="50000"/>
-            </a:schemeClr>
-          </a:lnRef>
-          <a:fillRef idx="1">
-            <a:schemeClr val="accent1"/>
-          </a:fillRef>
-          <a:effectRef idx="0">
-            <a:schemeClr val="accent1"/>
-          </a:effectRef>
-          <a:fontRef idx="minor">
-            <a:schemeClr val="lt1"/>
-          </a:fontRef>
-        </p:style>
-        <p:txBody>
-          <a:bodyPr rtlCol="0" anchor="ctr"/>
-          <a:lstStyle/>
-          <a:p>
-            <a:pPr algn="ctr"/>
-            <a:endParaRPr lang="zh-CN" altLang="en-US">
-              <a:cs typeface="+mn-ea"/>
-              <a:sym typeface="+mn-lt"/>
-            </a:endParaRPr>
-          </a:p>
-        </p:txBody>
-      </p:sp>
-      <p:sp>
-        <p:nvSpPr>
-          <p:cNvPr id="11" name="直角三角形 10"/>
-          <p:cNvSpPr/>
-          <p:nvPr/>
-        </p:nvSpPr>
-        <p:spPr>
-          <a:xfrm rot="10800000" flipV="1">
-            <a:off x="7657172" y="4056925"/>
-            <a:ext cx="1459149" cy="1478531"/>
-          </a:xfrm>
-          <a:prstGeom prst="rtTriangle">
-            <a:avLst/>
-          </a:prstGeom>
-          <a:solidFill>
-            <a:srgbClr val="CAD0D8"/>
-          </a:solidFill>
-          <a:ln>
-            <a:noFill/>
-          </a:ln>
-          <a:effectLst>
-            <a:outerShdw blurRad="127000" dist="63500" dir="8100000" algn="tr" rotWithShape="0">
-              <a:prstClr val="black">
-                <a:alpha val="40000"/>
-              </a:prstClr>
-            </a:outerShdw>
-          </a:effectLst>
-        </p:spPr>
-        <p:style>
-          <a:lnRef idx="2">
-            <a:schemeClr val="accent1">
-              <a:shade val="50000"/>
-            </a:schemeClr>
-          </a:lnRef>
-          <a:fillRef idx="1">
-            <a:schemeClr val="accent1"/>
-          </a:fillRef>
-          <a:effectRef idx="0">
-            <a:schemeClr val="accent1"/>
-          </a:effectRef>
-          <a:fontRef idx="minor">
-            <a:schemeClr val="lt1"/>
-          </a:fontRef>
-        </p:style>
-        <p:txBody>
-          <a:bodyPr rtlCol="0" anchor="ctr"/>
-          <a:lstStyle/>
-          <a:p>
-            <a:pPr algn="ctr"/>
-            <a:endParaRPr lang="zh-CN" altLang="en-US">
-              <a:cs typeface="+mn-ea"/>
-              <a:sym typeface="+mn-lt"/>
-            </a:endParaRPr>
-          </a:p>
-        </p:txBody>
-      </p:sp>
-    </p:spTree>
-  </p:cSld>
-  <p:clrMapOvr>
-    <a:masterClrMapping/>
-  </p:clrMapOvr>
-  <p:timing>
-    <p:tnLst>
-      <p:par>
-        <p:cTn id="1" dur="indefinite" restart="never" nodeType="tmRoot"/>
-      </p:par>
-    </p:tnLst>
-  </p:timing>
-</p:sld>
-</file>
-
-<file path=ppt/slides/slide13.xml><?xml version="1.0" encoding="utf-8"?>
 <p:sld xmlns:a="http://schemas.openxmlformats.org/drawingml/2006/main" xmlns:r="http://schemas.openxmlformats.org/officeDocument/2006/relationships" xmlns:p="http://schemas.openxmlformats.org/presentationml/2006/main">
   <p:cSld>
     <p:bg>
@@ -4279,6 +4117,497 @@
         </p:nvSpPr>
         <p:spPr>
           <a:xfrm>
+            <a:off x="198879" y="362638"/>
+            <a:ext cx="2118360" cy="521970"/>
+          </a:xfrm>
+          <a:prstGeom prst="rect">
+            <a:avLst/>
+          </a:prstGeom>
+          <a:noFill/>
+        </p:spPr>
+        <p:txBody>
+          <a:bodyPr wrap="none" rtlCol="0">
+            <a:spAutoFit/>
+          </a:bodyPr>
+          <a:lstStyle/>
+          <a:p>
+            <a:pPr algn="l"/>
+            <a:r>
+              <a:rPr lang="en-US" altLang="zh-CN" sz="2800" b="1" dirty="0">
+                <a:solidFill>
+                  <a:schemeClr val="bg1"/>
+                </a:solidFill>
+                <a:cs typeface="+mn-ea"/>
+                <a:sym typeface="+mn-lt"/>
+              </a:rPr>
+              <a:t>React Fiber</a:t>
+            </a:r>
+            <a:endParaRPr lang="en-US" altLang="zh-CN" sz="2800" b="1" dirty="0">
+              <a:solidFill>
+                <a:schemeClr val="bg1"/>
+              </a:solidFill>
+              <a:cs typeface="+mn-ea"/>
+              <a:sym typeface="+mn-lt"/>
+            </a:endParaRPr>
+          </a:p>
+        </p:txBody>
+      </p:sp>
+      <p:pic>
+        <p:nvPicPr>
+          <p:cNvPr id="3" name="Picture 2"/>
+          <p:cNvPicPr>
+            <a:picLocks noChangeAspect="1"/>
+          </p:cNvPicPr>
+          <p:nvPr/>
+        </p:nvPicPr>
+        <p:blipFill>
+          <a:blip r:embed="rId1"/>
+          <a:stretch>
+            <a:fillRect/>
+          </a:stretch>
+        </p:blipFill>
+        <p:spPr>
+          <a:xfrm>
+            <a:off x="307975" y="1019810"/>
+            <a:ext cx="7587615" cy="3287395"/>
+          </a:xfrm>
+          <a:prstGeom prst="rect">
+            <a:avLst/>
+          </a:prstGeom>
+        </p:spPr>
+      </p:pic>
+      <p:pic>
+        <p:nvPicPr>
+          <p:cNvPr id="5" name="Picture 4"/>
+          <p:cNvPicPr>
+            <a:picLocks noChangeAspect="1"/>
+          </p:cNvPicPr>
+          <p:nvPr/>
+        </p:nvPicPr>
+        <p:blipFill>
+          <a:blip r:embed="rId2"/>
+          <a:stretch>
+            <a:fillRect/>
+          </a:stretch>
+        </p:blipFill>
+        <p:spPr>
+          <a:xfrm>
+            <a:off x="7221220" y="3750310"/>
+            <a:ext cx="4724400" cy="2924175"/>
+          </a:xfrm>
+          <a:prstGeom prst="rect">
+            <a:avLst/>
+          </a:prstGeom>
+        </p:spPr>
+      </p:pic>
+      <p:sp>
+        <p:nvSpPr>
+          <p:cNvPr id="6" name="TextBox 76"/>
+          <p:cNvSpPr txBox="1"/>
+          <p:nvPr/>
+        </p:nvSpPr>
+        <p:spPr>
+          <a:xfrm>
+            <a:off x="558165" y="4458335"/>
+            <a:ext cx="3765550" cy="2061210"/>
+          </a:xfrm>
+          <a:prstGeom prst="rect">
+            <a:avLst/>
+          </a:prstGeom>
+          <a:noFill/>
+          <a:ln>
+            <a:noFill/>
+          </a:ln>
+        </p:spPr>
+        <p:txBody>
+          <a:bodyPr wrap="square" rtlCol="0">
+            <a:spAutoFit/>
+          </a:bodyPr>
+          <a:p>
+            <a:pPr algn="l"/>
+            <a:r>
+              <a:rPr lang="zh-CN" altLang="en-US" sz="3200" dirty="0">
+                <a:solidFill>
+                  <a:srgbClr val="EF5350"/>
+                </a:solidFill>
+                <a:cs typeface="+mn-ea"/>
+                <a:sym typeface="+mn-lt"/>
+              </a:rPr>
+              <a:t>每个</a:t>
+            </a:r>
+            <a:r>
+              <a:rPr lang="en-US" altLang="zh-CN" sz="3200" dirty="0">
+                <a:solidFill>
+                  <a:srgbClr val="EF5350"/>
+                </a:solidFill>
+                <a:cs typeface="+mn-ea"/>
+                <a:sym typeface="+mn-lt"/>
+              </a:rPr>
+              <a:t>fiber</a:t>
+            </a:r>
+            <a:r>
+              <a:rPr lang="zh-CN" altLang="en-US" sz="3200" dirty="0">
+                <a:solidFill>
+                  <a:srgbClr val="EF5350"/>
+                </a:solidFill>
+                <a:cs typeface="+mn-ea"/>
+                <a:sym typeface="+mn-lt"/>
+              </a:rPr>
+              <a:t>更新完成的间隙都可以中断，去完成高优先级任务</a:t>
+            </a:r>
+            <a:endParaRPr lang="zh-CN" altLang="en-US" sz="3200" dirty="0">
+              <a:solidFill>
+                <a:srgbClr val="EF5350"/>
+              </a:solidFill>
+              <a:cs typeface="+mn-ea"/>
+              <a:sym typeface="+mn-lt"/>
+            </a:endParaRPr>
+          </a:p>
+        </p:txBody>
+      </p:sp>
+      <p:sp>
+        <p:nvSpPr>
+          <p:cNvPr id="7" name="TextBox 76"/>
+          <p:cNvSpPr txBox="1"/>
+          <p:nvPr/>
+        </p:nvSpPr>
+        <p:spPr>
+          <a:xfrm>
+            <a:off x="8180070" y="1196975"/>
+            <a:ext cx="3765550" cy="2553335"/>
+          </a:xfrm>
+          <a:prstGeom prst="rect">
+            <a:avLst/>
+          </a:prstGeom>
+          <a:noFill/>
+          <a:ln>
+            <a:noFill/>
+          </a:ln>
+        </p:spPr>
+        <p:txBody>
+          <a:bodyPr wrap="square" rtlCol="0">
+            <a:spAutoFit/>
+          </a:bodyPr>
+          <a:p>
+            <a:pPr algn="l"/>
+            <a:r>
+              <a:rPr lang="zh-CN" altLang="en-US" sz="3200" dirty="0">
+                <a:solidFill>
+                  <a:srgbClr val="EF5350"/>
+                </a:solidFill>
+                <a:cs typeface="+mn-ea"/>
+                <a:sym typeface="+mn-lt"/>
+              </a:rPr>
+              <a:t>开始渲染时，会占用主线程，其他任务无法执行。比如</a:t>
+            </a:r>
+            <a:r>
+              <a:rPr lang="zh-CN" altLang="en-US" sz="3200" dirty="0">
+                <a:solidFill>
+                  <a:srgbClr val="EF5350"/>
+                </a:solidFill>
+                <a:cs typeface="+mn-ea"/>
+                <a:sym typeface="+mn-lt"/>
+              </a:rPr>
+              <a:t>较大</a:t>
+            </a:r>
+            <a:r>
+              <a:rPr lang="zh-CN" altLang="en-US" sz="3200" dirty="0">
+                <a:solidFill>
+                  <a:srgbClr val="EF5350"/>
+                </a:solidFill>
+                <a:cs typeface="+mn-ea"/>
+                <a:sym typeface="+mn-lt"/>
+              </a:rPr>
+              <a:t>组件树渲染时，输入框会假死</a:t>
+            </a:r>
+            <a:endParaRPr lang="zh-CN" altLang="en-US" sz="3200" dirty="0">
+              <a:solidFill>
+                <a:srgbClr val="EF5350"/>
+              </a:solidFill>
+              <a:cs typeface="+mn-ea"/>
+              <a:sym typeface="+mn-lt"/>
+            </a:endParaRPr>
+          </a:p>
+        </p:txBody>
+      </p:sp>
+    </p:spTree>
+  </p:cSld>
+  <p:clrMapOvr>
+    <a:masterClrMapping/>
+  </p:clrMapOvr>
+  <p:timing>
+    <p:tnLst>
+      <p:par>
+        <p:cTn id="1" dur="indefinite" restart="never" nodeType="tmRoot"/>
+      </p:par>
+    </p:tnLst>
+  </p:timing>
+</p:sld>
+</file>
+
+<file path=ppt/slides/slide13.xml><?xml version="1.0" encoding="utf-8"?>
+<p:sld xmlns:a="http://schemas.openxmlformats.org/drawingml/2006/main" xmlns:r="http://schemas.openxmlformats.org/officeDocument/2006/relationships" xmlns:p="http://schemas.openxmlformats.org/presentationml/2006/main">
+  <p:cSld>
+    <p:bg>
+      <p:bgPr>
+        <a:solidFill>
+          <a:srgbClr val="323C50"/>
+        </a:solidFill>
+        <a:effectLst/>
+      </p:bgPr>
+    </p:bg>
+    <p:spTree>
+      <p:nvGrpSpPr>
+        <p:cNvPr id="1" name=""/>
+        <p:cNvGrpSpPr/>
+        <p:nvPr/>
+      </p:nvGrpSpPr>
+      <p:grpSpPr>
+        <a:xfrm>
+          <a:off x="0" y="0"/>
+          <a:ext cx="0" cy="0"/>
+          <a:chOff x="0" y="0"/>
+          <a:chExt cx="0" cy="0"/>
+        </a:xfrm>
+      </p:grpSpPr>
+      <p:sp>
+        <p:nvSpPr>
+          <p:cNvPr id="16" name="TextBox 76"/>
+          <p:cNvSpPr txBox="1"/>
+          <p:nvPr/>
+        </p:nvSpPr>
+        <p:spPr>
+          <a:xfrm>
+            <a:off x="3439160" y="3134995"/>
+            <a:ext cx="5313045" cy="922020"/>
+          </a:xfrm>
+          <a:prstGeom prst="rect">
+            <a:avLst/>
+          </a:prstGeom>
+          <a:noFill/>
+        </p:spPr>
+        <p:txBody>
+          <a:bodyPr wrap="square" rtlCol="0">
+            <a:spAutoFit/>
+          </a:bodyPr>
+          <a:lstStyle/>
+          <a:p>
+            <a:pPr algn="ctr"/>
+            <a:r>
+              <a:rPr lang="en-US" altLang="zh-CN" sz="5400" dirty="0">
+                <a:solidFill>
+                  <a:srgbClr val="EF5350"/>
+                </a:solidFill>
+                <a:cs typeface="+mn-ea"/>
+                <a:sym typeface="+mn-lt"/>
+              </a:rPr>
+              <a:t>自定义渲染器</a:t>
+            </a:r>
+            <a:endParaRPr lang="en-US" altLang="zh-CN" sz="5400" dirty="0">
+              <a:solidFill>
+                <a:srgbClr val="EF5350"/>
+              </a:solidFill>
+              <a:cs typeface="+mn-ea"/>
+              <a:sym typeface="+mn-lt"/>
+            </a:endParaRPr>
+          </a:p>
+        </p:txBody>
+      </p:sp>
+      <p:sp>
+        <p:nvSpPr>
+          <p:cNvPr id="10" name="直角三角形 9"/>
+          <p:cNvSpPr/>
+          <p:nvPr/>
+        </p:nvSpPr>
+        <p:spPr>
+          <a:xfrm flipV="1">
+            <a:off x="2914536" y="1467323"/>
+            <a:ext cx="1276591" cy="1276591"/>
+          </a:xfrm>
+          <a:prstGeom prst="rtTriangle">
+            <a:avLst/>
+          </a:prstGeom>
+          <a:solidFill>
+            <a:srgbClr val="EF5350"/>
+          </a:solidFill>
+          <a:ln>
+            <a:noFill/>
+          </a:ln>
+          <a:effectLst>
+            <a:outerShdw blurRad="190500" dist="127000" dir="2700000" algn="tl" rotWithShape="0">
+              <a:prstClr val="black">
+                <a:alpha val="40000"/>
+              </a:prstClr>
+            </a:outerShdw>
+          </a:effectLst>
+        </p:spPr>
+        <p:style>
+          <a:lnRef idx="2">
+            <a:schemeClr val="accent1">
+              <a:shade val="50000"/>
+            </a:schemeClr>
+          </a:lnRef>
+          <a:fillRef idx="1">
+            <a:schemeClr val="accent1"/>
+          </a:fillRef>
+          <a:effectRef idx="0">
+            <a:schemeClr val="accent1"/>
+          </a:effectRef>
+          <a:fontRef idx="minor">
+            <a:schemeClr val="lt1"/>
+          </a:fontRef>
+        </p:style>
+        <p:txBody>
+          <a:bodyPr rtlCol="0" anchor="ctr"/>
+          <a:lstStyle/>
+          <a:p>
+            <a:pPr algn="ctr"/>
+            <a:endParaRPr lang="zh-CN" altLang="en-US">
+              <a:cs typeface="+mn-ea"/>
+              <a:sym typeface="+mn-lt"/>
+            </a:endParaRPr>
+          </a:p>
+        </p:txBody>
+      </p:sp>
+      <p:sp>
+        <p:nvSpPr>
+          <p:cNvPr id="11" name="直角三角形 10"/>
+          <p:cNvSpPr/>
+          <p:nvPr/>
+        </p:nvSpPr>
+        <p:spPr>
+          <a:xfrm rot="10800000" flipV="1">
+            <a:off x="7657172" y="4056925"/>
+            <a:ext cx="1459149" cy="1478531"/>
+          </a:xfrm>
+          <a:prstGeom prst="rtTriangle">
+            <a:avLst/>
+          </a:prstGeom>
+          <a:solidFill>
+            <a:srgbClr val="CAD0D8"/>
+          </a:solidFill>
+          <a:ln>
+            <a:noFill/>
+          </a:ln>
+          <a:effectLst>
+            <a:outerShdw blurRad="127000" dist="63500" dir="8100000" algn="tr" rotWithShape="0">
+              <a:prstClr val="black">
+                <a:alpha val="40000"/>
+              </a:prstClr>
+            </a:outerShdw>
+          </a:effectLst>
+        </p:spPr>
+        <p:style>
+          <a:lnRef idx="2">
+            <a:schemeClr val="accent1">
+              <a:shade val="50000"/>
+            </a:schemeClr>
+          </a:lnRef>
+          <a:fillRef idx="1">
+            <a:schemeClr val="accent1"/>
+          </a:fillRef>
+          <a:effectRef idx="0">
+            <a:schemeClr val="accent1"/>
+          </a:effectRef>
+          <a:fontRef idx="minor">
+            <a:schemeClr val="lt1"/>
+          </a:fontRef>
+        </p:style>
+        <p:txBody>
+          <a:bodyPr rtlCol="0" anchor="ctr"/>
+          <a:lstStyle/>
+          <a:p>
+            <a:pPr algn="ctr"/>
+            <a:endParaRPr lang="zh-CN" altLang="en-US">
+              <a:cs typeface="+mn-ea"/>
+              <a:sym typeface="+mn-lt"/>
+            </a:endParaRPr>
+          </a:p>
+        </p:txBody>
+      </p:sp>
+    </p:spTree>
+  </p:cSld>
+  <p:clrMapOvr>
+    <a:masterClrMapping/>
+  </p:clrMapOvr>
+  <p:timing>
+    <p:tnLst>
+      <p:par>
+        <p:cTn id="1" dur="indefinite" restart="never" nodeType="tmRoot"/>
+      </p:par>
+    </p:tnLst>
+  </p:timing>
+</p:sld>
+</file>
+
+<file path=ppt/slides/slide14.xml><?xml version="1.0" encoding="utf-8"?>
+<p:sld xmlns:a="http://schemas.openxmlformats.org/drawingml/2006/main" xmlns:r="http://schemas.openxmlformats.org/officeDocument/2006/relationships" xmlns:p="http://schemas.openxmlformats.org/presentationml/2006/main">
+  <p:cSld>
+    <p:bg>
+      <p:bgPr>
+        <a:solidFill>
+          <a:srgbClr val="323C50"/>
+        </a:solidFill>
+        <a:effectLst/>
+      </p:bgPr>
+    </p:bg>
+    <p:spTree>
+      <p:nvGrpSpPr>
+        <p:cNvPr id="1" name=""/>
+        <p:cNvGrpSpPr/>
+        <p:nvPr/>
+      </p:nvGrpSpPr>
+      <p:grpSpPr>
+        <a:xfrm>
+          <a:off x="0" y="0"/>
+          <a:ext cx="0" cy="0"/>
+          <a:chOff x="0" y="0"/>
+          <a:chExt cx="0" cy="0"/>
+        </a:xfrm>
+      </p:grpSpPr>
+      <p:cxnSp>
+        <p:nvCxnSpPr>
+          <p:cNvPr id="40" name="直接连接符 39"/>
+          <p:cNvCxnSpPr/>
+          <p:nvPr/>
+        </p:nvCxnSpPr>
+        <p:spPr>
+          <a:xfrm>
+            <a:off x="308072" y="258626"/>
+            <a:ext cx="710534" cy="0"/>
+          </a:xfrm>
+          <a:prstGeom prst="line">
+            <a:avLst/>
+          </a:prstGeom>
+          <a:ln w="57150" cap="rnd">
+            <a:solidFill>
+              <a:srgbClr val="EF5350"/>
+            </a:solidFill>
+          </a:ln>
+        </p:spPr>
+        <p:style>
+          <a:lnRef idx="1">
+            <a:schemeClr val="accent1"/>
+          </a:lnRef>
+          <a:fillRef idx="0">
+            <a:schemeClr val="accent1"/>
+          </a:fillRef>
+          <a:effectRef idx="0">
+            <a:schemeClr val="accent1"/>
+          </a:effectRef>
+          <a:fontRef idx="minor">
+            <a:schemeClr val="tx1"/>
+          </a:fontRef>
+        </p:style>
+      </p:cxnSp>
+      <p:sp>
+        <p:nvSpPr>
+          <p:cNvPr id="41" name="TextBox 76"/>
+          <p:cNvSpPr txBox="1"/>
+          <p:nvPr/>
+        </p:nvSpPr>
+        <p:spPr>
+          <a:xfrm>
             <a:off x="215389" y="362638"/>
             <a:ext cx="3032760" cy="521970"/>
           </a:xfrm>
@@ -4447,7 +4776,7 @@
 </p:sld>
 </file>
 
-<file path=ppt/slides/slide14.xml><?xml version="1.0" encoding="utf-8"?>
+<file path=ppt/slides/slide15.xml><?xml version="1.0" encoding="utf-8"?>
 <p:sld xmlns:a="http://schemas.openxmlformats.org/drawingml/2006/main" xmlns:r="http://schemas.openxmlformats.org/officeDocument/2006/relationships" xmlns:p="http://schemas.openxmlformats.org/presentationml/2006/main">
   <p:cSld>
     <p:bg>
@@ -6445,7 +6774,7 @@
         <p:spPr>
           <a:xfrm>
             <a:off x="307975" y="1295400"/>
-            <a:ext cx="8580120" cy="3930650"/>
+            <a:ext cx="8580120" cy="3290570"/>
           </a:xfrm>
           <a:prstGeom prst="rect">
             <a:avLst/>
@@ -6497,91 +6826,27 @@
                 <a:cs typeface="+mn-ea"/>
                 <a:sym typeface="+mn-lt"/>
               </a:rPr>
-              <a:t>- 关心状态结果，不关心渲染结果</a:t>
-            </a:r>
-            <a:endParaRPr lang="en-US" altLang="zh-CN" sz="3200" dirty="0">
-              <a:solidFill>
-                <a:srgbClr val="EF5350"/>
-              </a:solidFill>
-              <a:cs typeface="+mn-ea"/>
-              <a:sym typeface="+mn-lt"/>
-            </a:endParaRPr>
-          </a:p>
-          <a:p>
-            <a:pPr algn="l">
-              <a:lnSpc>
-                <a:spcPct val="130000"/>
-              </a:lnSpc>
-            </a:pPr>
-            <a:r>
-              <a:rPr lang="en-US" altLang="zh-CN" sz="3200" dirty="0">
+              <a:t>- </a:t>
+            </a:r>
+            <a:r>
+              <a:rPr lang="zh-CN" altLang="en-US" sz="3200" dirty="0">
                 <a:solidFill>
                   <a:srgbClr val="EF5350"/>
                 </a:solidFill>
                 <a:cs typeface="+mn-ea"/>
                 <a:sym typeface="+mn-lt"/>
               </a:rPr>
-              <a:t>- </a:t>
-            </a:r>
-            <a:r>
-              <a:rPr lang="zh-CN" altLang="en-US" sz="3200" dirty="0">
+              <a:t>只</a:t>
+            </a:r>
+            <a:r>
+              <a:rPr lang="en-US" altLang="zh-CN" sz="3200" dirty="0">
                 <a:solidFill>
                   <a:srgbClr val="EF5350"/>
                 </a:solidFill>
                 <a:cs typeface="+mn-ea"/>
                 <a:sym typeface="+mn-lt"/>
               </a:rPr>
-              <a:t>未来</a:t>
-            </a:r>
-            <a:r>
-              <a:rPr lang="en-US" altLang="zh-CN" sz="3200" dirty="0">
-                <a:solidFill>
-                  <a:srgbClr val="EF5350"/>
-                </a:solidFill>
-                <a:cs typeface="+mn-ea"/>
-                <a:sym typeface="+mn-lt"/>
-              </a:rPr>
-              <a:t>GUI</a:t>
-            </a:r>
-            <a:r>
-              <a:rPr lang="zh-CN" altLang="en-US" sz="3200" dirty="0">
-                <a:solidFill>
-                  <a:srgbClr val="EF5350"/>
-                </a:solidFill>
-                <a:cs typeface="+mn-ea"/>
-                <a:sym typeface="+mn-lt"/>
-              </a:rPr>
-              <a:t>开发主流方向：</a:t>
-            </a:r>
-            <a:r>
-              <a:rPr lang="en-US" altLang="zh-CN" sz="3200" dirty="0">
-                <a:solidFill>
-                  <a:srgbClr val="EF5350"/>
-                </a:solidFill>
-                <a:cs typeface="+mn-ea"/>
-                <a:sym typeface="+mn-lt"/>
-              </a:rPr>
-              <a:t>flutter</a:t>
-            </a:r>
-            <a:r>
-              <a:rPr lang="zh-CN" altLang="en-US" sz="3200" dirty="0">
-                <a:solidFill>
-                  <a:srgbClr val="EF5350"/>
-                </a:solidFill>
-                <a:cs typeface="+mn-ea"/>
-                <a:sym typeface="+mn-lt"/>
-              </a:rPr>
-              <a:t>，</a:t>
-            </a:r>
-            <a:r>
-              <a:rPr lang="en-US" altLang="zh-CN" sz="3200" dirty="0">
-                <a:solidFill>
-                  <a:srgbClr val="EF5350"/>
-                </a:solidFill>
-                <a:cs typeface="+mn-ea"/>
-                <a:sym typeface="+mn-lt"/>
-              </a:rPr>
-              <a:t>SwiftUi</a:t>
+              <a:t>关心状态，不关心渲染</a:t>
             </a:r>
             <a:endParaRPr lang="en-US" altLang="zh-CN" sz="3200" dirty="0">
               <a:solidFill>
@@ -10626,7 +10891,7 @@
         <p:spPr>
           <a:xfrm>
             <a:off x="198879" y="362638"/>
-            <a:ext cx="2950845" cy="521970"/>
+            <a:ext cx="2000250" cy="521970"/>
           </a:xfrm>
           <a:prstGeom prst="rect">
             <a:avLst/>
@@ -10641,14 +10906,24 @@
           <a:p>
             <a:pPr algn="l"/>
             <a:r>
-              <a:rPr lang="zh-CN" altLang="en-US" sz="2800" b="1" dirty="0">
+              <a:rPr lang="en-US" altLang="zh-CN" sz="2800" b="1" dirty="0">
                 <a:solidFill>
                   <a:schemeClr val="bg1"/>
                 </a:solidFill>
                 <a:cs typeface="+mn-ea"/>
                 <a:sym typeface="+mn-lt"/>
               </a:rPr>
-              <a:t>reconciler是什么</a:t>
+              <a:t>R</a:t>
+            </a:r>
+            <a:r>
+              <a:rPr lang="zh-CN" altLang="en-US" sz="2800" b="1" dirty="0">
+                <a:solidFill>
+                  <a:schemeClr val="bg1"/>
+                </a:solidFill>
+                <a:cs typeface="+mn-ea"/>
+                <a:sym typeface="+mn-lt"/>
+              </a:rPr>
+              <a:t>econciler</a:t>
             </a:r>
             <a:endParaRPr lang="zh-CN" altLang="en-US" sz="2800" b="1" dirty="0">
               <a:solidFill>
@@ -10669,7 +10944,7 @@
         <p:spPr>
           <a:xfrm>
             <a:off x="307975" y="1170305"/>
-            <a:ext cx="11203305" cy="583565"/>
+            <a:ext cx="11203305" cy="1568450"/>
           </a:xfrm>
           <a:prstGeom prst="rect">
             <a:avLst/>
@@ -10713,7 +10988,87 @@
                 <a:cs typeface="+mn-ea"/>
                 <a:sym typeface="+mn-lt"/>
               </a:rPr>
-              <a:t>的核型模块</a:t>
+              <a:t>的核心</a:t>
+            </a:r>
+            <a:endParaRPr lang="zh-CN" altLang="en-US" sz="3200" dirty="0">
+              <a:solidFill>
+                <a:srgbClr val="EF5350"/>
+              </a:solidFill>
+              <a:cs typeface="+mn-ea"/>
+              <a:sym typeface="+mn-lt"/>
+            </a:endParaRPr>
+          </a:p>
+          <a:p>
+            <a:pPr algn="l"/>
+            <a:r>
+              <a:rPr lang="en-US" altLang="zh-CN" sz="3200" dirty="0">
+                <a:solidFill>
+                  <a:srgbClr val="EF5350"/>
+                </a:solidFill>
+                <a:cs typeface="+mn-ea"/>
+                <a:sym typeface="+mn-lt"/>
+              </a:rPr>
+              <a:t>Reconclier</a:t>
+            </a:r>
+            <a:r>
+              <a:rPr lang="zh-CN" altLang="en-US" sz="3200" dirty="0">
+                <a:solidFill>
+                  <a:srgbClr val="EF5350"/>
+                </a:solidFill>
+                <a:cs typeface="+mn-ea"/>
+                <a:sym typeface="+mn-lt"/>
+              </a:rPr>
+              <a:t>管理</a:t>
+            </a:r>
+            <a:r>
+              <a:rPr lang="en-US" altLang="zh-CN" sz="3200" dirty="0">
+                <a:solidFill>
+                  <a:srgbClr val="EF5350"/>
+                </a:solidFill>
+                <a:cs typeface="+mn-ea"/>
+                <a:sym typeface="+mn-lt"/>
+              </a:rPr>
+              <a:t>React</a:t>
+            </a:r>
+            <a:r>
+              <a:rPr lang="zh-CN" altLang="en-US" sz="3200" dirty="0">
+                <a:solidFill>
+                  <a:srgbClr val="EF5350"/>
+                </a:solidFill>
+                <a:cs typeface="+mn-ea"/>
+                <a:sym typeface="+mn-lt"/>
+              </a:rPr>
+              <a:t>的调度，</a:t>
+            </a:r>
+            <a:r>
+              <a:rPr lang="zh-CN" altLang="en-US" sz="3200" dirty="0">
+                <a:solidFill>
+                  <a:srgbClr val="EF5350"/>
+                </a:solidFill>
+                <a:cs typeface="+mn-ea"/>
+                <a:sym typeface="+mn-lt"/>
+              </a:rPr>
+              <a:t>渲染器基于</a:t>
+            </a:r>
+            <a:r>
+              <a:rPr lang="en-US" altLang="zh-CN" sz="3200" dirty="0">
+                <a:solidFill>
+                  <a:srgbClr val="EF5350"/>
+                </a:solidFill>
+                <a:cs typeface="+mn-ea"/>
+                <a:sym typeface="+mn-lt"/>
+              </a:rPr>
+              <a:t>Reconclier</a:t>
+            </a:r>
+            <a:r>
+              <a:rPr lang="zh-CN" altLang="en-US" sz="3200" dirty="0">
+                <a:solidFill>
+                  <a:srgbClr val="EF5350"/>
+                </a:solidFill>
+                <a:cs typeface="+mn-ea"/>
+                <a:sym typeface="+mn-lt"/>
+              </a:rPr>
+              <a:t>的调度实现渲染（渲染器只用关心渲染部分）</a:t>
             </a:r>
             <a:endParaRPr lang="zh-CN" altLang="en-US" sz="3200" dirty="0">
               <a:solidFill>
@@ -10741,7 +11096,7 @@
         </p:blipFill>
         <p:spPr>
           <a:xfrm>
-            <a:off x="543560" y="2362200"/>
+            <a:off x="556895" y="3067685"/>
             <a:ext cx="10058400" cy="3477895"/>
           </a:xfrm>
           <a:prstGeom prst="rect">
@@ -10876,7 +11231,7 @@
         <p:spPr>
           <a:xfrm>
             <a:off x="307975" y="1170305"/>
-            <a:ext cx="11203305" cy="3636010"/>
+            <a:ext cx="11203305" cy="4275455"/>
           </a:xfrm>
           <a:prstGeom prst="rect">
             <a:avLst/>
@@ -10988,7 +11343,27 @@
                 <a:cs typeface="+mn-ea"/>
                 <a:sym typeface="+mn-lt"/>
               </a:rPr>
-              <a:t>更加友好的用户体验，异步渲染</a:t>
+              <a:t>更加友好的用户体验，</a:t>
+            </a:r>
+            <a:r>
+              <a:rPr lang="zh-CN" altLang="en-US" sz="3200" dirty="0">
+                <a:solidFill>
+                  <a:srgbClr val="EF5350"/>
+                </a:solidFill>
+                <a:cs typeface="+mn-ea"/>
+                <a:sym typeface="+mn-lt"/>
+              </a:rPr>
+              <a:t>状态保留，</a:t>
+            </a:r>
+            <a:r>
+              <a:rPr lang="zh-CN" altLang="en-US" sz="3200" dirty="0">
+                <a:solidFill>
+                  <a:srgbClr val="EF5350"/>
+                </a:solidFill>
+                <a:cs typeface="+mn-ea"/>
+                <a:sym typeface="+mn-lt"/>
+              </a:rPr>
+              <a:t>异步渲染</a:t>
             </a:r>
             <a:endParaRPr lang="zh-CN" altLang="en-US" sz="3200" dirty="0">
               <a:solidFill>
@@ -11031,6 +11406,7 @@
               </a:solidFill>
               <a:cs typeface="+mn-ea"/>
               <a:sym typeface="+mn-lt"/>
+              <a:hlinkClick r:id="rId1" action="ppaction://hlinkfile"/>
             </a:endParaRPr>
           </a:p>
           <a:p>
@@ -11039,6 +11415,20 @@
                 <a:spcPct val="130000"/>
               </a:lnSpc>
             </a:pPr>
+            <a:endParaRPr lang="zh-CN" altLang="en-US" sz="3200" dirty="0">
+              <a:solidFill>
+                <a:srgbClr val="EF5350"/>
+              </a:solidFill>
+              <a:cs typeface="+mn-ea"/>
+              <a:sym typeface="+mn-lt"/>
+            </a:endParaRPr>
+          </a:p>
+          <a:p>
+            <a:pPr algn="l">
+              <a:lnSpc>
+                <a:spcPct val="130000"/>
+              </a:lnSpc>
+            </a:pPr>
             <a:r>
               <a:rPr lang="en-US" altLang="zh-CN" sz="3200" dirty="0">
                 <a:solidFill>
@@ -11057,7 +11447,7 @@
                 <a:cs typeface="+mn-ea"/>
                 <a:sym typeface="+mn-lt"/>
               </a:rPr>
-              <a:t>渲染依赖于</a:t>
+              <a:t>渲染器依赖于</a:t>
             </a:r>
             <a:r>
               <a:rPr lang="en-US" altLang="zh-CN" sz="3200" dirty="0">
